--- a/2_Getting_Data.pptx
+++ b/2_Getting_Data.pptx
@@ -5,10 +5,10 @@
     <p:sldMasterId id="2147484703" r:id="rId1"/>
   </p:sldMasterIdLst>
   <p:notesMasterIdLst>
-    <p:notesMasterId r:id="rId11"/>
+    <p:notesMasterId r:id="rId18"/>
   </p:notesMasterIdLst>
   <p:handoutMasterIdLst>
-    <p:handoutMasterId r:id="rId12"/>
+    <p:handoutMasterId r:id="rId19"/>
   </p:handoutMasterIdLst>
   <p:sldIdLst>
     <p:sldId id="352" r:id="rId2"/>
@@ -19,7 +19,14 @@
     <p:sldId id="551" r:id="rId7"/>
     <p:sldId id="552" r:id="rId8"/>
     <p:sldId id="553" r:id="rId9"/>
-    <p:sldId id="343" r:id="rId10"/>
+    <p:sldId id="558" r:id="rId10"/>
+    <p:sldId id="557" r:id="rId11"/>
+    <p:sldId id="561" r:id="rId12"/>
+    <p:sldId id="562" r:id="rId13"/>
+    <p:sldId id="563" r:id="rId14"/>
+    <p:sldId id="564" r:id="rId15"/>
+    <p:sldId id="565" r:id="rId16"/>
+    <p:sldId id="343" r:id="rId17"/>
   </p:sldIdLst>
   <p:sldSz cx="12192000" cy="6858000"/>
   <p:notesSz cx="6858000" cy="9144000"/>
@@ -222,7 +229,7 @@
           <a:p>
             <a:fld id="{73D5C047-4BF6-2244-A5E3-D41B1218D9A5}" type="datetimeFigureOut">
               <a:rPr lang="en-GB" smtClean="0"/>
-              <a:t>05/08/2024</a:t>
+              <a:t>22/08/2024</a:t>
             </a:fld>
             <a:endParaRPr lang="en-GB"/>
           </a:p>
@@ -387,7 +394,7 @@
           <a:p>
             <a:fld id="{8A376A05-844D-A64C-9434-FF3712A59FB6}" type="datetimeFigureOut">
               <a:rPr lang="en-GB" smtClean="0"/>
-              <a:t>05/08/2024</a:t>
+              <a:t>22/08/2024</a:t>
             </a:fld>
             <a:endParaRPr lang="en-GB"/>
           </a:p>
@@ -755,6 +762,739 @@
     <p:extLst>
       <p:ext uri="{BB962C8B-B14F-4D97-AF65-F5344CB8AC3E}">
         <p14:creationId xmlns:p14="http://schemas.microsoft.com/office/powerpoint/2010/main" val="3056104876"/>
+      </p:ext>
+    </p:extLst>
+  </p:cSld>
+  <p:clrMapOvr>
+    <a:masterClrMapping/>
+  </p:clrMapOvr>
+</p:notes>
+</file>
+
+<file path=ppt/notesSlides/notesSlide10.xml><?xml version="1.0" encoding="utf-8"?>
+<p:notes xmlns:a="http://schemas.openxmlformats.org/drawingml/2006/main" xmlns:r="http://schemas.openxmlformats.org/officeDocument/2006/relationships" xmlns:p="http://schemas.openxmlformats.org/presentationml/2006/main">
+  <p:cSld>
+    <p:spTree>
+      <p:nvGrpSpPr>
+        <p:cNvPr id="1" name=""/>
+        <p:cNvGrpSpPr/>
+        <p:nvPr/>
+      </p:nvGrpSpPr>
+      <p:grpSpPr>
+        <a:xfrm>
+          <a:off x="0" y="0"/>
+          <a:ext cx="0" cy="0"/>
+          <a:chOff x="0" y="0"/>
+          <a:chExt cx="0" cy="0"/>
+        </a:xfrm>
+      </p:grpSpPr>
+      <p:sp>
+        <p:nvSpPr>
+          <p:cNvPr id="2" name="Slide Image Placeholder 1"/>
+          <p:cNvSpPr>
+            <a:spLocks noGrp="1" noRot="1" noChangeAspect="1"/>
+          </p:cNvSpPr>
+          <p:nvPr>
+            <p:ph type="sldImg"/>
+          </p:nvPr>
+        </p:nvSpPr>
+        <p:spPr/>
+      </p:sp>
+      <p:sp>
+        <p:nvSpPr>
+          <p:cNvPr id="3" name="Notes Placeholder 2"/>
+          <p:cNvSpPr>
+            <a:spLocks noGrp="1"/>
+          </p:cNvSpPr>
+          <p:nvPr>
+            <p:ph type="body" idx="1"/>
+          </p:nvPr>
+        </p:nvSpPr>
+        <p:spPr/>
+        <p:txBody>
+          <a:bodyPr/>
+          <a:lstStyle/>
+          <a:p>
+            <a:endParaRPr lang="en-US" dirty="0"/>
+          </a:p>
+        </p:txBody>
+      </p:sp>
+      <p:sp>
+        <p:nvSpPr>
+          <p:cNvPr id="4" name="Slide Number Placeholder 3"/>
+          <p:cNvSpPr>
+            <a:spLocks noGrp="1"/>
+          </p:cNvSpPr>
+          <p:nvPr>
+            <p:ph type="sldNum" sz="quarter" idx="5"/>
+          </p:nvPr>
+        </p:nvSpPr>
+        <p:spPr/>
+        <p:txBody>
+          <a:bodyPr/>
+          <a:lstStyle/>
+          <a:p>
+            <a:fld id="{8C52AA8E-9499-6D4A-B4B6-3DB76C4F8462}" type="slidenum">
+              <a:rPr lang="en-US" smtClean="0"/>
+              <a:t>10</a:t>
+            </a:fld>
+            <a:endParaRPr lang="en-US"/>
+          </a:p>
+        </p:txBody>
+      </p:sp>
+    </p:spTree>
+    <p:extLst>
+      <p:ext uri="{BB962C8B-B14F-4D97-AF65-F5344CB8AC3E}">
+        <p14:creationId xmlns:p14="http://schemas.microsoft.com/office/powerpoint/2010/main" val="853724158"/>
+      </p:ext>
+    </p:extLst>
+  </p:cSld>
+  <p:clrMapOvr>
+    <a:masterClrMapping/>
+  </p:clrMapOvr>
+</p:notes>
+</file>
+
+<file path=ppt/notesSlides/notesSlide11.xml><?xml version="1.0" encoding="utf-8"?>
+<p:notes xmlns:a="http://schemas.openxmlformats.org/drawingml/2006/main" xmlns:r="http://schemas.openxmlformats.org/officeDocument/2006/relationships" xmlns:p="http://schemas.openxmlformats.org/presentationml/2006/main">
+  <p:cSld>
+    <p:spTree>
+      <p:nvGrpSpPr>
+        <p:cNvPr id="1" name=""/>
+        <p:cNvGrpSpPr/>
+        <p:nvPr/>
+      </p:nvGrpSpPr>
+      <p:grpSpPr>
+        <a:xfrm>
+          <a:off x="0" y="0"/>
+          <a:ext cx="0" cy="0"/>
+          <a:chOff x="0" y="0"/>
+          <a:chExt cx="0" cy="0"/>
+        </a:xfrm>
+      </p:grpSpPr>
+      <p:sp>
+        <p:nvSpPr>
+          <p:cNvPr id="2" name="Slide Image Placeholder 1"/>
+          <p:cNvSpPr>
+            <a:spLocks noGrp="1" noRot="1" noChangeAspect="1"/>
+          </p:cNvSpPr>
+          <p:nvPr>
+            <p:ph type="sldImg"/>
+          </p:nvPr>
+        </p:nvSpPr>
+        <p:spPr/>
+      </p:sp>
+      <p:sp>
+        <p:nvSpPr>
+          <p:cNvPr id="3" name="Notes Placeholder 2"/>
+          <p:cNvSpPr>
+            <a:spLocks noGrp="1"/>
+          </p:cNvSpPr>
+          <p:nvPr>
+            <p:ph type="body" idx="1"/>
+          </p:nvPr>
+        </p:nvSpPr>
+        <p:spPr/>
+        <p:txBody>
+          <a:bodyPr/>
+          <a:lstStyle/>
+          <a:p>
+            <a:endParaRPr lang="en-US" dirty="0"/>
+          </a:p>
+        </p:txBody>
+      </p:sp>
+      <p:sp>
+        <p:nvSpPr>
+          <p:cNvPr id="4" name="Slide Number Placeholder 3"/>
+          <p:cNvSpPr>
+            <a:spLocks noGrp="1"/>
+          </p:cNvSpPr>
+          <p:nvPr>
+            <p:ph type="sldNum" sz="quarter" idx="5"/>
+          </p:nvPr>
+        </p:nvSpPr>
+        <p:spPr/>
+        <p:txBody>
+          <a:bodyPr/>
+          <a:lstStyle/>
+          <a:p>
+            <a:fld id="{FEEA9333-84D7-D143-AB26-DD0B7A71CABE}" type="slidenum">
+              <a:rPr lang="en-US" smtClean="0"/>
+              <a:t>11</a:t>
+            </a:fld>
+            <a:endParaRPr lang="en-US"/>
+          </a:p>
+        </p:txBody>
+      </p:sp>
+    </p:spTree>
+    <p:extLst>
+      <p:ext uri="{BB962C8B-B14F-4D97-AF65-F5344CB8AC3E}">
+        <p14:creationId xmlns:p14="http://schemas.microsoft.com/office/powerpoint/2010/main" val="1983839605"/>
+      </p:ext>
+    </p:extLst>
+  </p:cSld>
+  <p:clrMapOvr>
+    <a:masterClrMapping/>
+  </p:clrMapOvr>
+</p:notes>
+</file>
+
+<file path=ppt/notesSlides/notesSlide12.xml><?xml version="1.0" encoding="utf-8"?>
+<p:notes xmlns:a="http://schemas.openxmlformats.org/drawingml/2006/main" xmlns:r="http://schemas.openxmlformats.org/officeDocument/2006/relationships" xmlns:p="http://schemas.openxmlformats.org/presentationml/2006/main">
+  <p:cSld>
+    <p:spTree>
+      <p:nvGrpSpPr>
+        <p:cNvPr id="1" name=""/>
+        <p:cNvGrpSpPr/>
+        <p:nvPr/>
+      </p:nvGrpSpPr>
+      <p:grpSpPr>
+        <a:xfrm>
+          <a:off x="0" y="0"/>
+          <a:ext cx="0" cy="0"/>
+          <a:chOff x="0" y="0"/>
+          <a:chExt cx="0" cy="0"/>
+        </a:xfrm>
+      </p:grpSpPr>
+      <p:sp>
+        <p:nvSpPr>
+          <p:cNvPr id="2" name="Slide Image Placeholder 1"/>
+          <p:cNvSpPr>
+            <a:spLocks noGrp="1" noRot="1" noChangeAspect="1"/>
+          </p:cNvSpPr>
+          <p:nvPr>
+            <p:ph type="sldImg"/>
+          </p:nvPr>
+        </p:nvSpPr>
+        <p:spPr/>
+      </p:sp>
+      <p:sp>
+        <p:nvSpPr>
+          <p:cNvPr id="3" name="Notes Placeholder 2"/>
+          <p:cNvSpPr>
+            <a:spLocks noGrp="1"/>
+          </p:cNvSpPr>
+          <p:nvPr>
+            <p:ph type="body" idx="1"/>
+          </p:nvPr>
+        </p:nvSpPr>
+        <p:spPr/>
+        <p:txBody>
+          <a:bodyPr/>
+          <a:lstStyle/>
+          <a:p>
+            <a:endParaRPr lang="en-US" dirty="0"/>
+          </a:p>
+        </p:txBody>
+      </p:sp>
+      <p:sp>
+        <p:nvSpPr>
+          <p:cNvPr id="4" name="Slide Number Placeholder 3"/>
+          <p:cNvSpPr>
+            <a:spLocks noGrp="1"/>
+          </p:cNvSpPr>
+          <p:nvPr>
+            <p:ph type="sldNum" sz="quarter" idx="5"/>
+          </p:nvPr>
+        </p:nvSpPr>
+        <p:spPr/>
+        <p:txBody>
+          <a:bodyPr/>
+          <a:lstStyle/>
+          <a:p>
+            <a:pPr marL="0" marR="0" lvl="0" indent="0" algn="r" defTabSz="914400" rtl="0" eaLnBrk="1" fontAlgn="auto" latinLnBrk="0" hangingPunct="1">
+              <a:lnSpc>
+                <a:spcPct val="100000"/>
+              </a:lnSpc>
+              <a:spcBef>
+                <a:spcPts val="0"/>
+              </a:spcBef>
+              <a:spcAft>
+                <a:spcPts val="0"/>
+              </a:spcAft>
+              <a:buClrTx/>
+              <a:buSzTx/>
+              <a:buFontTx/>
+              <a:buNone/>
+              <a:tabLst/>
+              <a:defRPr/>
+            </a:pPr>
+            <a:fld id="{8C52AA8E-9499-6D4A-B4B6-3DB76C4F8462}" type="slidenum">
+              <a:rPr kumimoji="0" lang="en-US" sz="1200" b="0" i="0" u="none" strike="noStrike" kern="1200" cap="none" spc="0" normalizeH="0" baseline="0" noProof="0" smtClean="0">
+                <a:ln>
+                  <a:noFill/>
+                </a:ln>
+                <a:solidFill>
+                  <a:prstClr val="black"/>
+                </a:solidFill>
+                <a:effectLst/>
+                <a:uLnTx/>
+                <a:uFillTx/>
+                <a:latin typeface="Calibri" panose="020F0502020204030204"/>
+                <a:ea typeface="+mn-ea"/>
+                <a:cs typeface="+mn-cs"/>
+              </a:rPr>
+              <a:pPr marL="0" marR="0" lvl="0" indent="0" algn="r" defTabSz="914400" rtl="0" eaLnBrk="1" fontAlgn="auto" latinLnBrk="0" hangingPunct="1">
+                <a:lnSpc>
+                  <a:spcPct val="100000"/>
+                </a:lnSpc>
+                <a:spcBef>
+                  <a:spcPts val="0"/>
+                </a:spcBef>
+                <a:spcAft>
+                  <a:spcPts val="0"/>
+                </a:spcAft>
+                <a:buClrTx/>
+                <a:buSzTx/>
+                <a:buFontTx/>
+                <a:buNone/>
+                <a:tabLst/>
+                <a:defRPr/>
+              </a:pPr>
+              <a:t>12</a:t>
+            </a:fld>
+            <a:endParaRPr kumimoji="0" lang="en-US" sz="1200" b="0" i="0" u="none" strike="noStrike" kern="1200" cap="none" spc="0" normalizeH="0" baseline="0" noProof="0">
+              <a:ln>
+                <a:noFill/>
+              </a:ln>
+              <a:solidFill>
+                <a:prstClr val="black"/>
+              </a:solidFill>
+              <a:effectLst/>
+              <a:uLnTx/>
+              <a:uFillTx/>
+              <a:latin typeface="Calibri" panose="020F0502020204030204"/>
+              <a:ea typeface="+mn-ea"/>
+              <a:cs typeface="+mn-cs"/>
+            </a:endParaRPr>
+          </a:p>
+        </p:txBody>
+      </p:sp>
+    </p:spTree>
+    <p:extLst>
+      <p:ext uri="{BB962C8B-B14F-4D97-AF65-F5344CB8AC3E}">
+        <p14:creationId xmlns:p14="http://schemas.microsoft.com/office/powerpoint/2010/main" val="3113920263"/>
+      </p:ext>
+    </p:extLst>
+  </p:cSld>
+  <p:clrMapOvr>
+    <a:masterClrMapping/>
+  </p:clrMapOvr>
+</p:notes>
+</file>
+
+<file path=ppt/notesSlides/notesSlide13.xml><?xml version="1.0" encoding="utf-8"?>
+<p:notes xmlns:a="http://schemas.openxmlformats.org/drawingml/2006/main" xmlns:r="http://schemas.openxmlformats.org/officeDocument/2006/relationships" xmlns:p="http://schemas.openxmlformats.org/presentationml/2006/main">
+  <p:cSld>
+    <p:spTree>
+      <p:nvGrpSpPr>
+        <p:cNvPr id="1" name=""/>
+        <p:cNvGrpSpPr/>
+        <p:nvPr/>
+      </p:nvGrpSpPr>
+      <p:grpSpPr>
+        <a:xfrm>
+          <a:off x="0" y="0"/>
+          <a:ext cx="0" cy="0"/>
+          <a:chOff x="0" y="0"/>
+          <a:chExt cx="0" cy="0"/>
+        </a:xfrm>
+      </p:grpSpPr>
+      <p:sp>
+        <p:nvSpPr>
+          <p:cNvPr id="2" name="Slide Image Placeholder 1"/>
+          <p:cNvSpPr>
+            <a:spLocks noGrp="1" noRot="1" noChangeAspect="1"/>
+          </p:cNvSpPr>
+          <p:nvPr>
+            <p:ph type="sldImg"/>
+          </p:nvPr>
+        </p:nvSpPr>
+        <p:spPr/>
+      </p:sp>
+      <p:sp>
+        <p:nvSpPr>
+          <p:cNvPr id="3" name="Notes Placeholder 2"/>
+          <p:cNvSpPr>
+            <a:spLocks noGrp="1"/>
+          </p:cNvSpPr>
+          <p:nvPr>
+            <p:ph type="body" idx="1"/>
+          </p:nvPr>
+        </p:nvSpPr>
+        <p:spPr/>
+        <p:txBody>
+          <a:bodyPr/>
+          <a:lstStyle/>
+          <a:p>
+            <a:endParaRPr lang="en-US" dirty="0"/>
+          </a:p>
+        </p:txBody>
+      </p:sp>
+      <p:sp>
+        <p:nvSpPr>
+          <p:cNvPr id="4" name="Slide Number Placeholder 3"/>
+          <p:cNvSpPr>
+            <a:spLocks noGrp="1"/>
+          </p:cNvSpPr>
+          <p:nvPr>
+            <p:ph type="sldNum" sz="quarter" idx="5"/>
+          </p:nvPr>
+        </p:nvSpPr>
+        <p:spPr/>
+        <p:txBody>
+          <a:bodyPr/>
+          <a:lstStyle/>
+          <a:p>
+            <a:fld id="{FEEA9333-84D7-D143-AB26-DD0B7A71CABE}" type="slidenum">
+              <a:rPr lang="en-US" smtClean="0"/>
+              <a:t>13</a:t>
+            </a:fld>
+            <a:endParaRPr lang="en-US"/>
+          </a:p>
+        </p:txBody>
+      </p:sp>
+    </p:spTree>
+    <p:extLst>
+      <p:ext uri="{BB962C8B-B14F-4D97-AF65-F5344CB8AC3E}">
+        <p14:creationId xmlns:p14="http://schemas.microsoft.com/office/powerpoint/2010/main" val="1706363560"/>
+      </p:ext>
+    </p:extLst>
+  </p:cSld>
+  <p:clrMapOvr>
+    <a:masterClrMapping/>
+  </p:clrMapOvr>
+</p:notes>
+</file>
+
+<file path=ppt/notesSlides/notesSlide14.xml><?xml version="1.0" encoding="utf-8"?>
+<p:notes xmlns:a="http://schemas.openxmlformats.org/drawingml/2006/main" xmlns:r="http://schemas.openxmlformats.org/officeDocument/2006/relationships" xmlns:p="http://schemas.openxmlformats.org/presentationml/2006/main">
+  <p:cSld>
+    <p:spTree>
+      <p:nvGrpSpPr>
+        <p:cNvPr id="1" name=""/>
+        <p:cNvGrpSpPr/>
+        <p:nvPr/>
+      </p:nvGrpSpPr>
+      <p:grpSpPr>
+        <a:xfrm>
+          <a:off x="0" y="0"/>
+          <a:ext cx="0" cy="0"/>
+          <a:chOff x="0" y="0"/>
+          <a:chExt cx="0" cy="0"/>
+        </a:xfrm>
+      </p:grpSpPr>
+      <p:sp>
+        <p:nvSpPr>
+          <p:cNvPr id="2" name="Slide Image Placeholder 1"/>
+          <p:cNvSpPr>
+            <a:spLocks noGrp="1" noRot="1" noChangeAspect="1"/>
+          </p:cNvSpPr>
+          <p:nvPr>
+            <p:ph type="sldImg"/>
+          </p:nvPr>
+        </p:nvSpPr>
+        <p:spPr/>
+      </p:sp>
+      <p:sp>
+        <p:nvSpPr>
+          <p:cNvPr id="3" name="Notes Placeholder 2"/>
+          <p:cNvSpPr>
+            <a:spLocks noGrp="1"/>
+          </p:cNvSpPr>
+          <p:nvPr>
+            <p:ph type="body" idx="1"/>
+          </p:nvPr>
+        </p:nvSpPr>
+        <p:spPr/>
+        <p:txBody>
+          <a:bodyPr/>
+          <a:lstStyle/>
+          <a:p>
+            <a:endParaRPr lang="en-US" dirty="0"/>
+          </a:p>
+        </p:txBody>
+      </p:sp>
+      <p:sp>
+        <p:nvSpPr>
+          <p:cNvPr id="4" name="Slide Number Placeholder 3"/>
+          <p:cNvSpPr>
+            <a:spLocks noGrp="1"/>
+          </p:cNvSpPr>
+          <p:nvPr>
+            <p:ph type="sldNum" sz="quarter" idx="5"/>
+          </p:nvPr>
+        </p:nvSpPr>
+        <p:spPr/>
+        <p:txBody>
+          <a:bodyPr/>
+          <a:lstStyle/>
+          <a:p>
+            <a:pPr marL="0" marR="0" lvl="0" indent="0" algn="r" defTabSz="914400" rtl="0" eaLnBrk="1" fontAlgn="auto" latinLnBrk="0" hangingPunct="1">
+              <a:lnSpc>
+                <a:spcPct val="100000"/>
+              </a:lnSpc>
+              <a:spcBef>
+                <a:spcPts val="0"/>
+              </a:spcBef>
+              <a:spcAft>
+                <a:spcPts val="0"/>
+              </a:spcAft>
+              <a:buClrTx/>
+              <a:buSzTx/>
+              <a:buFontTx/>
+              <a:buNone/>
+              <a:tabLst/>
+              <a:defRPr/>
+            </a:pPr>
+            <a:fld id="{8C52AA8E-9499-6D4A-B4B6-3DB76C4F8462}" type="slidenum">
+              <a:rPr kumimoji="0" lang="en-US" sz="1200" b="0" i="0" u="none" strike="noStrike" kern="1200" cap="none" spc="0" normalizeH="0" baseline="0" noProof="0" smtClean="0">
+                <a:ln>
+                  <a:noFill/>
+                </a:ln>
+                <a:solidFill>
+                  <a:prstClr val="black"/>
+                </a:solidFill>
+                <a:effectLst/>
+                <a:uLnTx/>
+                <a:uFillTx/>
+                <a:latin typeface="Calibri" panose="020F0502020204030204"/>
+                <a:ea typeface="+mn-ea"/>
+                <a:cs typeface="+mn-cs"/>
+              </a:rPr>
+              <a:pPr marL="0" marR="0" lvl="0" indent="0" algn="r" defTabSz="914400" rtl="0" eaLnBrk="1" fontAlgn="auto" latinLnBrk="0" hangingPunct="1">
+                <a:lnSpc>
+                  <a:spcPct val="100000"/>
+                </a:lnSpc>
+                <a:spcBef>
+                  <a:spcPts val="0"/>
+                </a:spcBef>
+                <a:spcAft>
+                  <a:spcPts val="0"/>
+                </a:spcAft>
+                <a:buClrTx/>
+                <a:buSzTx/>
+                <a:buFontTx/>
+                <a:buNone/>
+                <a:tabLst/>
+                <a:defRPr/>
+              </a:pPr>
+              <a:t>14</a:t>
+            </a:fld>
+            <a:endParaRPr kumimoji="0" lang="en-US" sz="1200" b="0" i="0" u="none" strike="noStrike" kern="1200" cap="none" spc="0" normalizeH="0" baseline="0" noProof="0">
+              <a:ln>
+                <a:noFill/>
+              </a:ln>
+              <a:solidFill>
+                <a:prstClr val="black"/>
+              </a:solidFill>
+              <a:effectLst/>
+              <a:uLnTx/>
+              <a:uFillTx/>
+              <a:latin typeface="Calibri" panose="020F0502020204030204"/>
+              <a:ea typeface="+mn-ea"/>
+              <a:cs typeface="+mn-cs"/>
+            </a:endParaRPr>
+          </a:p>
+        </p:txBody>
+      </p:sp>
+    </p:spTree>
+    <p:extLst>
+      <p:ext uri="{BB962C8B-B14F-4D97-AF65-F5344CB8AC3E}">
+        <p14:creationId xmlns:p14="http://schemas.microsoft.com/office/powerpoint/2010/main" val="2999045306"/>
+      </p:ext>
+    </p:extLst>
+  </p:cSld>
+  <p:clrMapOvr>
+    <a:masterClrMapping/>
+  </p:clrMapOvr>
+</p:notes>
+</file>
+
+<file path=ppt/notesSlides/notesSlide15.xml><?xml version="1.0" encoding="utf-8"?>
+<p:notes xmlns:a="http://schemas.openxmlformats.org/drawingml/2006/main" xmlns:r="http://schemas.openxmlformats.org/officeDocument/2006/relationships" xmlns:p="http://schemas.openxmlformats.org/presentationml/2006/main">
+  <p:cSld>
+    <p:spTree>
+      <p:nvGrpSpPr>
+        <p:cNvPr id="1" name=""/>
+        <p:cNvGrpSpPr/>
+        <p:nvPr/>
+      </p:nvGrpSpPr>
+      <p:grpSpPr>
+        <a:xfrm>
+          <a:off x="0" y="0"/>
+          <a:ext cx="0" cy="0"/>
+          <a:chOff x="0" y="0"/>
+          <a:chExt cx="0" cy="0"/>
+        </a:xfrm>
+      </p:grpSpPr>
+      <p:sp>
+        <p:nvSpPr>
+          <p:cNvPr id="2" name="Slide Image Placeholder 1"/>
+          <p:cNvSpPr>
+            <a:spLocks noGrp="1" noRot="1" noChangeAspect="1"/>
+          </p:cNvSpPr>
+          <p:nvPr>
+            <p:ph type="sldImg"/>
+          </p:nvPr>
+        </p:nvSpPr>
+        <p:spPr/>
+      </p:sp>
+      <p:sp>
+        <p:nvSpPr>
+          <p:cNvPr id="3" name="Notes Placeholder 2"/>
+          <p:cNvSpPr>
+            <a:spLocks noGrp="1"/>
+          </p:cNvSpPr>
+          <p:nvPr>
+            <p:ph type="body" idx="1"/>
+          </p:nvPr>
+        </p:nvSpPr>
+        <p:spPr/>
+        <p:txBody>
+          <a:bodyPr/>
+          <a:lstStyle/>
+          <a:p>
+            <a:endParaRPr lang="en-US" dirty="0"/>
+          </a:p>
+        </p:txBody>
+      </p:sp>
+      <p:sp>
+        <p:nvSpPr>
+          <p:cNvPr id="4" name="Slide Number Placeholder 3"/>
+          <p:cNvSpPr>
+            <a:spLocks noGrp="1"/>
+          </p:cNvSpPr>
+          <p:nvPr>
+            <p:ph type="sldNum" sz="quarter" idx="5"/>
+          </p:nvPr>
+        </p:nvSpPr>
+        <p:spPr/>
+        <p:txBody>
+          <a:bodyPr/>
+          <a:lstStyle/>
+          <a:p>
+            <a:fld id="{FEEA9333-84D7-D143-AB26-DD0B7A71CABE}" type="slidenum">
+              <a:rPr lang="en-US" smtClean="0"/>
+              <a:t>15</a:t>
+            </a:fld>
+            <a:endParaRPr lang="en-US"/>
+          </a:p>
+        </p:txBody>
+      </p:sp>
+    </p:spTree>
+    <p:extLst>
+      <p:ext uri="{BB962C8B-B14F-4D97-AF65-F5344CB8AC3E}">
+        <p14:creationId xmlns:p14="http://schemas.microsoft.com/office/powerpoint/2010/main" val="2665332727"/>
+      </p:ext>
+    </p:extLst>
+  </p:cSld>
+  <p:clrMapOvr>
+    <a:masterClrMapping/>
+  </p:clrMapOvr>
+</p:notes>
+</file>
+
+<file path=ppt/notesSlides/notesSlide16.xml><?xml version="1.0" encoding="utf-8"?>
+<p:notes xmlns:a="http://schemas.openxmlformats.org/drawingml/2006/main" xmlns:r="http://schemas.openxmlformats.org/officeDocument/2006/relationships" xmlns:p="http://schemas.openxmlformats.org/presentationml/2006/main">
+  <p:cSld>
+    <p:spTree>
+      <p:nvGrpSpPr>
+        <p:cNvPr id="1" name=""/>
+        <p:cNvGrpSpPr/>
+        <p:nvPr/>
+      </p:nvGrpSpPr>
+      <p:grpSpPr>
+        <a:xfrm>
+          <a:off x="0" y="0"/>
+          <a:ext cx="0" cy="0"/>
+          <a:chOff x="0" y="0"/>
+          <a:chExt cx="0" cy="0"/>
+        </a:xfrm>
+      </p:grpSpPr>
+      <p:sp>
+        <p:nvSpPr>
+          <p:cNvPr id="2" name="Slide Image Placeholder 1"/>
+          <p:cNvSpPr>
+            <a:spLocks noGrp="1" noRot="1" noChangeAspect="1"/>
+          </p:cNvSpPr>
+          <p:nvPr>
+            <p:ph type="sldImg"/>
+          </p:nvPr>
+        </p:nvSpPr>
+        <p:spPr/>
+      </p:sp>
+      <p:sp>
+        <p:nvSpPr>
+          <p:cNvPr id="3" name="Notes Placeholder 2"/>
+          <p:cNvSpPr>
+            <a:spLocks noGrp="1"/>
+          </p:cNvSpPr>
+          <p:nvPr>
+            <p:ph type="body" idx="1"/>
+          </p:nvPr>
+        </p:nvSpPr>
+        <p:spPr/>
+        <p:txBody>
+          <a:bodyPr/>
+          <a:lstStyle/>
+          <a:p>
+            <a:pPr marL="0" marR="0" lvl="0" indent="0" algn="l" defTabSz="914400" rtl="0" eaLnBrk="1" fontAlgn="auto" latinLnBrk="0" hangingPunct="1">
+              <a:lnSpc>
+                <a:spcPct val="100000"/>
+              </a:lnSpc>
+              <a:spcBef>
+                <a:spcPts val="0"/>
+              </a:spcBef>
+              <a:spcAft>
+                <a:spcPts val="0"/>
+              </a:spcAft>
+              <a:buClrTx/>
+              <a:buSzTx/>
+              <a:buFontTx/>
+              <a:buNone/>
+              <a:tabLst/>
+              <a:defRPr/>
+            </a:pPr>
+            <a:endParaRPr lang="en-SG" sz="1200" b="0" i="0" u="none" strike="noStrike" kern="1200" dirty="0">
+              <a:solidFill>
+                <a:schemeClr val="tx1"/>
+              </a:solidFill>
+              <a:effectLst/>
+              <a:latin typeface="+mn-lt"/>
+              <a:ea typeface="+mn-ea"/>
+              <a:cs typeface="+mn-cs"/>
+            </a:endParaRPr>
+          </a:p>
+        </p:txBody>
+      </p:sp>
+      <p:sp>
+        <p:nvSpPr>
+          <p:cNvPr id="4" name="Slide Number Placeholder 3"/>
+          <p:cNvSpPr>
+            <a:spLocks noGrp="1"/>
+          </p:cNvSpPr>
+          <p:nvPr>
+            <p:ph type="sldNum" sz="quarter" idx="5"/>
+          </p:nvPr>
+        </p:nvSpPr>
+        <p:spPr/>
+        <p:txBody>
+          <a:bodyPr/>
+          <a:lstStyle/>
+          <a:p>
+            <a:fld id="{00852781-589E-1342-9FF2-F49B87B49D0B}" type="slidenum">
+              <a:rPr lang="en-GB" smtClean="0"/>
+              <a:t>16</a:t>
+            </a:fld>
+            <a:endParaRPr lang="en-GB"/>
+          </a:p>
+        </p:txBody>
+      </p:sp>
+    </p:spTree>
+    <p:extLst>
+      <p:ext uri="{BB962C8B-B14F-4D97-AF65-F5344CB8AC3E}">
+        <p14:creationId xmlns:p14="http://schemas.microsoft.com/office/powerpoint/2010/main" val="3080175704"/>
       </p:ext>
     </p:extLst>
   </p:cSld>
@@ -1496,32 +2236,7 @@
           <a:bodyPr/>
           <a:lstStyle/>
           <a:p>
-            <a:pPr marL="0" marR="0" lvl="0" indent="0" algn="l" defTabSz="914400" rtl="0" eaLnBrk="1" fontAlgn="auto" latinLnBrk="0" hangingPunct="1">
-              <a:lnSpc>
-                <a:spcPct val="100000"/>
-              </a:lnSpc>
-              <a:spcBef>
-                <a:spcPts val="0"/>
-              </a:spcBef>
-              <a:spcAft>
-                <a:spcPts val="0"/>
-              </a:spcAft>
-              <a:buClrTx/>
-              <a:buSzTx/>
-              <a:buFontTx/>
-              <a:buNone/>
-              <a:tabLst/>
-              <a:defRPr/>
-            </a:pPr>
-            <a:endParaRPr lang="en-SG" sz="1200" b="0" i="0" u="none" strike="noStrike" kern="1200" dirty="0">
-              <a:solidFill>
-                <a:schemeClr val="tx1"/>
-              </a:solidFill>
-              <a:effectLst/>
-              <a:latin typeface="+mn-lt"/>
-              <a:ea typeface="+mn-ea"/>
-              <a:cs typeface="+mn-cs"/>
-            </a:endParaRPr>
+            <a:endParaRPr lang="en-US" dirty="0"/>
           </a:p>
         </p:txBody>
       </p:sp>
@@ -1540,18 +2255,18 @@
           <a:bodyPr/>
           <a:lstStyle/>
           <a:p>
-            <a:fld id="{00852781-589E-1342-9FF2-F49B87B49D0B}" type="slidenum">
-              <a:rPr lang="en-GB" smtClean="0"/>
+            <a:fld id="{FEEA9333-84D7-D143-AB26-DD0B7A71CABE}" type="slidenum">
+              <a:rPr lang="en-US" smtClean="0"/>
               <a:t>9</a:t>
             </a:fld>
-            <a:endParaRPr lang="en-GB"/>
+            <a:endParaRPr lang="en-US"/>
           </a:p>
         </p:txBody>
       </p:sp>
     </p:spTree>
     <p:extLst>
       <p:ext uri="{BB962C8B-B14F-4D97-AF65-F5344CB8AC3E}">
-        <p14:creationId xmlns:p14="http://schemas.microsoft.com/office/powerpoint/2010/main" val="3080175704"/>
+        <p14:creationId xmlns:p14="http://schemas.microsoft.com/office/powerpoint/2010/main" val="1853071331"/>
       </p:ext>
     </p:extLst>
   </p:cSld>
@@ -10354,7 +11069,7 @@
           <a:p>
             <a:fld id="{5D8171C0-695E-BD4E-B021-8976B44C063A}" type="datetime1">
               <a:rPr lang="en-SG" smtClean="0"/>
-              <a:t>5/8/24</a:t>
+              <a:t>22/8/24</a:t>
             </a:fld>
             <a:endParaRPr lang="en-GB"/>
           </a:p>
@@ -10561,7 +11276,7 @@
           <a:p>
             <a:fld id="{6F853C54-8EB9-C24B-9C31-2B1DDC9DE9A6}" type="datetime1">
               <a:rPr lang="en-SG" smtClean="0"/>
-              <a:t>5/8/24</a:t>
+              <a:t>22/8/24</a:t>
             </a:fld>
             <a:endParaRPr lang="en-GB"/>
           </a:p>
@@ -10736,7 +11451,7 @@
           <a:p>
             <a:fld id="{3472FA3B-614A-7B44-98FC-38DCC6EB32F4}" type="datetime1">
               <a:rPr lang="en-SG" smtClean="0"/>
-              <a:t>5/8/24</a:t>
+              <a:t>22/8/24</a:t>
             </a:fld>
             <a:endParaRPr lang="en-GB"/>
           </a:p>
@@ -10970,7 +11685,7 @@
           <a:p>
             <a:fld id="{159A31D3-5D48-6C49-8100-1BFEDDA27045}" type="datetime1">
               <a:rPr lang="en-SG" smtClean="0"/>
-              <a:t>5/8/24</a:t>
+              <a:t>22/8/24</a:t>
             </a:fld>
             <a:endParaRPr lang="en-GB"/>
           </a:p>
@@ -19875,7 +20590,7 @@
           <a:p>
             <a:fld id="{33FB4DE5-3FA5-CB41-9D0A-192659D1CB71}" type="datetime1">
               <a:rPr lang="en-SG" smtClean="0"/>
-              <a:t>5/8/24</a:t>
+              <a:t>22/8/24</a:t>
             </a:fld>
             <a:endParaRPr lang="en-GB"/>
           </a:p>
@@ -20148,7 +20863,7 @@
           <a:p>
             <a:fld id="{2BA4E459-705C-6E47-A7D6-9BAC4DCC79E5}" type="datetime1">
               <a:rPr lang="en-SG" smtClean="0"/>
-              <a:t>5/8/24</a:t>
+              <a:t>22/8/24</a:t>
             </a:fld>
             <a:endParaRPr lang="en-GB"/>
           </a:p>
@@ -20546,7 +21261,7 @@
           <a:p>
             <a:fld id="{7A41D9F5-A799-534F-ADC1-59DEE366892C}" type="datetime1">
               <a:rPr lang="en-SG" smtClean="0"/>
-              <a:t>5/8/24</a:t>
+              <a:t>22/8/24</a:t>
             </a:fld>
             <a:endParaRPr lang="en-GB"/>
           </a:p>
@@ -20664,7 +21379,7 @@
           <a:p>
             <a:fld id="{65CD0D58-1596-D242-A555-BB899CD37BDE}" type="datetime1">
               <a:rPr lang="en-SG" smtClean="0"/>
-              <a:t>5/8/24</a:t>
+              <a:t>22/8/24</a:t>
             </a:fld>
             <a:endParaRPr lang="en-GB"/>
           </a:p>
@@ -20754,7 +21469,7 @@
           <a:p>
             <a:fld id="{C6195D21-BC09-2042-8183-6DEFCDF5312A}" type="datetime1">
               <a:rPr lang="en-SG" smtClean="0"/>
-              <a:t>5/8/24</a:t>
+              <a:t>22/8/24</a:t>
             </a:fld>
             <a:endParaRPr lang="en-GB"/>
           </a:p>
@@ -21044,7 +21759,7 @@
           <a:p>
             <a:fld id="{96BFDC18-B983-004C-8152-2C2BF2CFEDD7}" type="datetime1">
               <a:rPr lang="en-SG" smtClean="0"/>
-              <a:t>5/8/24</a:t>
+              <a:t>22/8/24</a:t>
             </a:fld>
             <a:endParaRPr lang="en-GB"/>
           </a:p>
@@ -21324,7 +22039,7 @@
           <a:p>
             <a:fld id="{2B69BD44-7826-F548-A836-9F6150569590}" type="datetime1">
               <a:rPr lang="en-SG" smtClean="0"/>
-              <a:t>5/8/24</a:t>
+              <a:t>22/8/24</a:t>
             </a:fld>
             <a:endParaRPr lang="en-GB"/>
           </a:p>
@@ -21692,7 +22407,7 @@
           <a:p>
             <a:fld id="{2DC3BF20-5808-0847-A21A-F2A835930045}" type="datetime1">
               <a:rPr lang="en-SG" smtClean="0"/>
-              <a:t>5/8/24</a:t>
+              <a:t>22/8/24</a:t>
             </a:fld>
             <a:endParaRPr lang="en-GB"/>
           </a:p>
@@ -22636,6 +23351,1047 @@
       <p:transition spd="slow" advTm="14596"/>
     </mc:Fallback>
   </mc:AlternateContent>
+</p:sld>
+</file>
+
+<file path=ppt/slides/slide10.xml><?xml version="1.0" encoding="utf-8"?>
+<p:sld xmlns:a="http://schemas.openxmlformats.org/drawingml/2006/main" xmlns:r="http://schemas.openxmlformats.org/officeDocument/2006/relationships" xmlns:p="http://schemas.openxmlformats.org/presentationml/2006/main">
+  <p:cSld>
+    <p:spTree>
+      <p:nvGrpSpPr>
+        <p:cNvPr id="1" name=""/>
+        <p:cNvGrpSpPr/>
+        <p:nvPr/>
+      </p:nvGrpSpPr>
+      <p:grpSpPr>
+        <a:xfrm>
+          <a:off x="0" y="0"/>
+          <a:ext cx="0" cy="0"/>
+          <a:chOff x="0" y="0"/>
+          <a:chExt cx="0" cy="0"/>
+        </a:xfrm>
+      </p:grpSpPr>
+      <p:sp>
+        <p:nvSpPr>
+          <p:cNvPr id="4" name="Title 3">
+            <a:extLst>
+              <a:ext uri="{FF2B5EF4-FFF2-40B4-BE49-F238E27FC236}">
+                <a16:creationId xmlns:a16="http://schemas.microsoft.com/office/drawing/2014/main" id="{960BCB57-89CA-12C9-8820-D9D7ADEF4F65}"/>
+              </a:ext>
+            </a:extLst>
+          </p:cNvPr>
+          <p:cNvSpPr>
+            <a:spLocks noGrp="1"/>
+          </p:cNvSpPr>
+          <p:nvPr>
+            <p:ph type="title"/>
+          </p:nvPr>
+        </p:nvSpPr>
+        <p:spPr/>
+        <p:txBody>
+          <a:bodyPr/>
+          <a:lstStyle/>
+          <a:p>
+            <a:r>
+              <a:rPr lang="en-US" dirty="0"/>
+              <a:t>Gene weightings applied to human data (Saliva)</a:t>
+            </a:r>
+          </a:p>
+        </p:txBody>
+      </p:sp>
+      <p:pic>
+        <p:nvPicPr>
+          <p:cNvPr id="3" name="Picture 2">
+            <a:extLst>
+              <a:ext uri="{FF2B5EF4-FFF2-40B4-BE49-F238E27FC236}">
+                <a16:creationId xmlns:a16="http://schemas.microsoft.com/office/drawing/2014/main" id="{F339FA6D-1F3F-1523-350C-3B34D85A1D52}"/>
+              </a:ext>
+            </a:extLst>
+          </p:cNvPr>
+          <p:cNvPicPr>
+            <a:picLocks noChangeAspect="1"/>
+          </p:cNvPicPr>
+          <p:nvPr/>
+        </p:nvPicPr>
+        <p:blipFill>
+          <a:blip r:embed="rId3"/>
+          <a:srcRect/>
+          <a:stretch/>
+        </p:blipFill>
+        <p:spPr>
+          <a:xfrm>
+            <a:off x="5723959" y="1779588"/>
+            <a:ext cx="5854700" cy="4394200"/>
+          </a:xfrm>
+          <a:prstGeom prst="rect">
+            <a:avLst/>
+          </a:prstGeom>
+        </p:spPr>
+      </p:pic>
+      <p:pic>
+        <p:nvPicPr>
+          <p:cNvPr id="6" name="Picture 5">
+            <a:extLst>
+              <a:ext uri="{FF2B5EF4-FFF2-40B4-BE49-F238E27FC236}">
+                <a16:creationId xmlns:a16="http://schemas.microsoft.com/office/drawing/2014/main" id="{CD40A907-B40F-E113-AEDA-FC01E07E4395}"/>
+              </a:ext>
+            </a:extLst>
+          </p:cNvPr>
+          <p:cNvPicPr>
+            <a:picLocks noChangeAspect="1"/>
+          </p:cNvPicPr>
+          <p:nvPr/>
+        </p:nvPicPr>
+        <p:blipFill>
+          <a:blip r:embed="rId4"/>
+          <a:srcRect/>
+          <a:stretch/>
+        </p:blipFill>
+        <p:spPr>
+          <a:xfrm>
+            <a:off x="1711891" y="1690688"/>
+            <a:ext cx="3657600" cy="4572000"/>
+          </a:xfrm>
+          <a:prstGeom prst="rect">
+            <a:avLst/>
+          </a:prstGeom>
+        </p:spPr>
+      </p:pic>
+    </p:spTree>
+    <p:extLst>
+      <p:ext uri="{BB962C8B-B14F-4D97-AF65-F5344CB8AC3E}">
+        <p14:creationId xmlns:p14="http://schemas.microsoft.com/office/powerpoint/2010/main" val="2824225434"/>
+      </p:ext>
+    </p:extLst>
+  </p:cSld>
+  <p:clrMapOvr>
+    <a:masterClrMapping/>
+  </p:clrMapOvr>
+</p:sld>
+</file>
+
+<file path=ppt/slides/slide11.xml><?xml version="1.0" encoding="utf-8"?>
+<p:sld xmlns:a="http://schemas.openxmlformats.org/drawingml/2006/main" xmlns:r="http://schemas.openxmlformats.org/officeDocument/2006/relationships" xmlns:p="http://schemas.openxmlformats.org/presentationml/2006/main">
+  <p:cSld>
+    <p:spTree>
+      <p:nvGrpSpPr>
+        <p:cNvPr id="1" name=""/>
+        <p:cNvGrpSpPr/>
+        <p:nvPr/>
+      </p:nvGrpSpPr>
+      <p:grpSpPr>
+        <a:xfrm>
+          <a:off x="0" y="0"/>
+          <a:ext cx="0" cy="0"/>
+          <a:chOff x="0" y="0"/>
+          <a:chExt cx="0" cy="0"/>
+        </a:xfrm>
+      </p:grpSpPr>
+      <p:sp>
+        <p:nvSpPr>
+          <p:cNvPr id="2" name="TextBox 1">
+            <a:extLst>
+              <a:ext uri="{FF2B5EF4-FFF2-40B4-BE49-F238E27FC236}">
+                <a16:creationId xmlns:a16="http://schemas.microsoft.com/office/drawing/2014/main" id="{010569A0-A1A8-994E-91DC-95FD3601D6EF}"/>
+              </a:ext>
+            </a:extLst>
+          </p:cNvPr>
+          <p:cNvSpPr txBox="1"/>
+          <p:nvPr/>
+        </p:nvSpPr>
+        <p:spPr>
+          <a:xfrm>
+            <a:off x="435078" y="479323"/>
+            <a:ext cx="10685206" cy="1569660"/>
+          </a:xfrm>
+          <a:prstGeom prst="rect">
+            <a:avLst/>
+          </a:prstGeom>
+          <a:noFill/>
+        </p:spPr>
+        <p:txBody>
+          <a:bodyPr wrap="square" rtlCol="0">
+            <a:spAutoFit/>
+          </a:bodyPr>
+          <a:lstStyle/>
+          <a:p>
+            <a:pPr algn="ctr"/>
+            <a:r>
+              <a:rPr lang="en-GB" sz="4800" dirty="0"/>
+              <a:t>miRNA in Rat TBI models compared to Human TBI</a:t>
+            </a:r>
+          </a:p>
+        </p:txBody>
+      </p:sp>
+      <p:sp>
+        <p:nvSpPr>
+          <p:cNvPr id="3" name="TextBox 2">
+            <a:extLst>
+              <a:ext uri="{FF2B5EF4-FFF2-40B4-BE49-F238E27FC236}">
+                <a16:creationId xmlns:a16="http://schemas.microsoft.com/office/drawing/2014/main" id="{DD1D1466-D097-2529-AD22-105C7F61A7F5}"/>
+              </a:ext>
+            </a:extLst>
+          </p:cNvPr>
+          <p:cNvSpPr txBox="1"/>
+          <p:nvPr/>
+        </p:nvSpPr>
+        <p:spPr>
+          <a:xfrm>
+            <a:off x="914400" y="2542784"/>
+            <a:ext cx="8992655" cy="2031325"/>
+          </a:xfrm>
+          <a:prstGeom prst="rect">
+            <a:avLst/>
+          </a:prstGeom>
+          <a:noFill/>
+        </p:spPr>
+        <p:txBody>
+          <a:bodyPr wrap="none" rtlCol="0">
+            <a:spAutoFit/>
+          </a:bodyPr>
+          <a:lstStyle/>
+          <a:p>
+            <a:pPr marL="285750" indent="-285750">
+              <a:buFont typeface="Arial" panose="020B0604020202020204" pitchFamily="34" charset="0"/>
+              <a:buChar char="•"/>
+            </a:pPr>
+            <a:r>
+              <a:rPr lang="en-US" b="1" dirty="0">
+                <a:solidFill>
+                  <a:srgbClr val="FF0000"/>
+                </a:solidFill>
+              </a:rPr>
+              <a:t>Do the differences in miRNA for rat models of TBI translate to humans? </a:t>
+            </a:r>
+            <a:r>
+              <a:rPr lang="en-US" b="1" dirty="0">
+                <a:solidFill>
+                  <a:srgbClr val="002060"/>
+                </a:solidFill>
+              </a:rPr>
+              <a:t>YES</a:t>
+            </a:r>
+          </a:p>
+          <a:p>
+            <a:pPr marL="285750" indent="-285750">
+              <a:buFont typeface="Arial" panose="020B0604020202020204" pitchFamily="34" charset="0"/>
+              <a:buChar char="•"/>
+            </a:pPr>
+            <a:endParaRPr lang="en-US" dirty="0"/>
+          </a:p>
+          <a:p>
+            <a:pPr marL="742950" lvl="1" indent="-285750">
+              <a:buFont typeface="Arial" panose="020B0604020202020204" pitchFamily="34" charset="0"/>
+              <a:buChar char="•"/>
+            </a:pPr>
+            <a:r>
+              <a:rPr lang="en-US" b="1" dirty="0">
+                <a:solidFill>
+                  <a:srgbClr val="FF0000"/>
+                </a:solidFill>
+              </a:rPr>
+              <a:t>Do the biofluids of the rats or humans matter for miRNA measurement? </a:t>
+            </a:r>
+            <a:r>
+              <a:rPr lang="en-US" b="1" dirty="0">
+                <a:solidFill>
+                  <a:srgbClr val="002060"/>
+                </a:solidFill>
+              </a:rPr>
+              <a:t>IT DEPENDS</a:t>
+            </a:r>
+          </a:p>
+          <a:p>
+            <a:pPr marL="1200150" lvl="2" indent="-285750">
+              <a:buFont typeface="Arial" panose="020B0604020202020204" pitchFamily="34" charset="0"/>
+              <a:buChar char="•"/>
+            </a:pPr>
+            <a:r>
+              <a:rPr lang="en-US" b="1" dirty="0"/>
+              <a:t>RATS: BRAIN or PLASMA fine	/	Humans: SERUM Fine, SALIVA No</a:t>
+            </a:r>
+          </a:p>
+          <a:p>
+            <a:pPr marL="742950" lvl="1" indent="-285750">
+              <a:buFont typeface="Arial" panose="020B0604020202020204" pitchFamily="34" charset="0"/>
+              <a:buChar char="•"/>
+            </a:pPr>
+            <a:r>
+              <a:rPr lang="en-US" b="1" dirty="0">
+                <a:solidFill>
+                  <a:srgbClr val="FF0000"/>
+                </a:solidFill>
+              </a:rPr>
+              <a:t>Does data from male rats comparable to sex differences in humans?</a:t>
+            </a:r>
+          </a:p>
+          <a:p>
+            <a:pPr marL="742950" lvl="1" indent="-285750">
+              <a:buFont typeface="Arial" panose="020B0604020202020204" pitchFamily="34" charset="0"/>
+              <a:buChar char="•"/>
+            </a:pPr>
+            <a:endParaRPr lang="en-US" dirty="0"/>
+          </a:p>
+          <a:p>
+            <a:pPr marL="742950" lvl="1" indent="-285750">
+              <a:buFont typeface="Arial" panose="020B0604020202020204" pitchFamily="34" charset="0"/>
+              <a:buChar char="•"/>
+            </a:pPr>
+            <a:r>
+              <a:rPr lang="en-US" dirty="0"/>
+              <a:t>Does the type of TBI injury matter?</a:t>
+            </a:r>
+          </a:p>
+        </p:txBody>
+      </p:sp>
+    </p:spTree>
+    <p:extLst>
+      <p:ext uri="{BB962C8B-B14F-4D97-AF65-F5344CB8AC3E}">
+        <p14:creationId xmlns:p14="http://schemas.microsoft.com/office/powerpoint/2010/main" val="3035675468"/>
+      </p:ext>
+    </p:extLst>
+  </p:cSld>
+  <p:clrMapOvr>
+    <a:masterClrMapping/>
+  </p:clrMapOvr>
+</p:sld>
+</file>
+
+<file path=ppt/slides/slide12.xml><?xml version="1.0" encoding="utf-8"?>
+<p:sld xmlns:a="http://schemas.openxmlformats.org/drawingml/2006/main" xmlns:r="http://schemas.openxmlformats.org/officeDocument/2006/relationships" xmlns:p="http://schemas.openxmlformats.org/presentationml/2006/main">
+  <p:cSld>
+    <p:spTree>
+      <p:nvGrpSpPr>
+        <p:cNvPr id="1" name=""/>
+        <p:cNvGrpSpPr/>
+        <p:nvPr/>
+      </p:nvGrpSpPr>
+      <p:grpSpPr>
+        <a:xfrm>
+          <a:off x="0" y="0"/>
+          <a:ext cx="0" cy="0"/>
+          <a:chOff x="0" y="0"/>
+          <a:chExt cx="0" cy="0"/>
+        </a:xfrm>
+      </p:grpSpPr>
+      <p:sp>
+        <p:nvSpPr>
+          <p:cNvPr id="4" name="Title 3">
+            <a:extLst>
+              <a:ext uri="{FF2B5EF4-FFF2-40B4-BE49-F238E27FC236}">
+                <a16:creationId xmlns:a16="http://schemas.microsoft.com/office/drawing/2014/main" id="{960BCB57-89CA-12C9-8820-D9D7ADEF4F65}"/>
+              </a:ext>
+            </a:extLst>
+          </p:cNvPr>
+          <p:cNvSpPr>
+            <a:spLocks noGrp="1"/>
+          </p:cNvSpPr>
+          <p:nvPr>
+            <p:ph type="title"/>
+          </p:nvPr>
+        </p:nvSpPr>
+        <p:spPr/>
+        <p:txBody>
+          <a:bodyPr/>
+          <a:lstStyle/>
+          <a:p>
+            <a:r>
+              <a:rPr lang="en-US" dirty="0"/>
+              <a:t>Gene weightings applied to human data</a:t>
+            </a:r>
+            <a:br>
+              <a:rPr lang="en-US" dirty="0"/>
+            </a:br>
+            <a:r>
+              <a:rPr lang="en-US" dirty="0"/>
+              <a:t>Sex differences?</a:t>
+            </a:r>
+          </a:p>
+        </p:txBody>
+      </p:sp>
+      <p:pic>
+        <p:nvPicPr>
+          <p:cNvPr id="3" name="Picture 2">
+            <a:extLst>
+              <a:ext uri="{FF2B5EF4-FFF2-40B4-BE49-F238E27FC236}">
+                <a16:creationId xmlns:a16="http://schemas.microsoft.com/office/drawing/2014/main" id="{F339FA6D-1F3F-1523-350C-3B34D85A1D52}"/>
+              </a:ext>
+            </a:extLst>
+          </p:cNvPr>
+          <p:cNvPicPr>
+            <a:picLocks noChangeAspect="1"/>
+          </p:cNvPicPr>
+          <p:nvPr/>
+        </p:nvPicPr>
+        <p:blipFill>
+          <a:blip r:embed="rId3"/>
+          <a:srcRect/>
+          <a:stretch/>
+        </p:blipFill>
+        <p:spPr>
+          <a:xfrm>
+            <a:off x="5723959" y="1779588"/>
+            <a:ext cx="5854700" cy="4394200"/>
+          </a:xfrm>
+          <a:prstGeom prst="rect">
+            <a:avLst/>
+          </a:prstGeom>
+        </p:spPr>
+      </p:pic>
+      <p:pic>
+        <p:nvPicPr>
+          <p:cNvPr id="6" name="Picture 5">
+            <a:extLst>
+              <a:ext uri="{FF2B5EF4-FFF2-40B4-BE49-F238E27FC236}">
+                <a16:creationId xmlns:a16="http://schemas.microsoft.com/office/drawing/2014/main" id="{CD40A907-B40F-E113-AEDA-FC01E07E4395}"/>
+              </a:ext>
+            </a:extLst>
+          </p:cNvPr>
+          <p:cNvPicPr>
+            <a:picLocks noChangeAspect="1"/>
+          </p:cNvPicPr>
+          <p:nvPr/>
+        </p:nvPicPr>
+        <p:blipFill>
+          <a:blip r:embed="rId4"/>
+          <a:srcRect/>
+          <a:stretch/>
+        </p:blipFill>
+        <p:spPr>
+          <a:xfrm>
+            <a:off x="1711891" y="1690688"/>
+            <a:ext cx="3657600" cy="4572000"/>
+          </a:xfrm>
+          <a:prstGeom prst="rect">
+            <a:avLst/>
+          </a:prstGeom>
+        </p:spPr>
+      </p:pic>
+    </p:spTree>
+    <p:extLst>
+      <p:ext uri="{BB962C8B-B14F-4D97-AF65-F5344CB8AC3E}">
+        <p14:creationId xmlns:p14="http://schemas.microsoft.com/office/powerpoint/2010/main" val="1564988184"/>
+      </p:ext>
+    </p:extLst>
+  </p:cSld>
+  <p:clrMapOvr>
+    <a:masterClrMapping/>
+  </p:clrMapOvr>
+</p:sld>
+</file>
+
+<file path=ppt/slides/slide13.xml><?xml version="1.0" encoding="utf-8"?>
+<p:sld xmlns:a="http://schemas.openxmlformats.org/drawingml/2006/main" xmlns:r="http://schemas.openxmlformats.org/officeDocument/2006/relationships" xmlns:p="http://schemas.openxmlformats.org/presentationml/2006/main">
+  <p:cSld>
+    <p:spTree>
+      <p:nvGrpSpPr>
+        <p:cNvPr id="1" name=""/>
+        <p:cNvGrpSpPr/>
+        <p:nvPr/>
+      </p:nvGrpSpPr>
+      <p:grpSpPr>
+        <a:xfrm>
+          <a:off x="0" y="0"/>
+          <a:ext cx="0" cy="0"/>
+          <a:chOff x="0" y="0"/>
+          <a:chExt cx="0" cy="0"/>
+        </a:xfrm>
+      </p:grpSpPr>
+      <p:sp>
+        <p:nvSpPr>
+          <p:cNvPr id="2" name="TextBox 1">
+            <a:extLst>
+              <a:ext uri="{FF2B5EF4-FFF2-40B4-BE49-F238E27FC236}">
+                <a16:creationId xmlns:a16="http://schemas.microsoft.com/office/drawing/2014/main" id="{010569A0-A1A8-994E-91DC-95FD3601D6EF}"/>
+              </a:ext>
+            </a:extLst>
+          </p:cNvPr>
+          <p:cNvSpPr txBox="1"/>
+          <p:nvPr/>
+        </p:nvSpPr>
+        <p:spPr>
+          <a:xfrm>
+            <a:off x="435078" y="479323"/>
+            <a:ext cx="10685206" cy="1569660"/>
+          </a:xfrm>
+          <a:prstGeom prst="rect">
+            <a:avLst/>
+          </a:prstGeom>
+          <a:noFill/>
+        </p:spPr>
+        <p:txBody>
+          <a:bodyPr wrap="square" rtlCol="0">
+            <a:spAutoFit/>
+          </a:bodyPr>
+          <a:lstStyle/>
+          <a:p>
+            <a:pPr algn="ctr"/>
+            <a:r>
+              <a:rPr lang="en-GB" sz="4800" dirty="0"/>
+              <a:t>miRNA in Rat TBI models compared to Human TBI</a:t>
+            </a:r>
+          </a:p>
+        </p:txBody>
+      </p:sp>
+      <p:sp>
+        <p:nvSpPr>
+          <p:cNvPr id="3" name="TextBox 2">
+            <a:extLst>
+              <a:ext uri="{FF2B5EF4-FFF2-40B4-BE49-F238E27FC236}">
+                <a16:creationId xmlns:a16="http://schemas.microsoft.com/office/drawing/2014/main" id="{DD1D1466-D097-2529-AD22-105C7F61A7F5}"/>
+              </a:ext>
+            </a:extLst>
+          </p:cNvPr>
+          <p:cNvSpPr txBox="1"/>
+          <p:nvPr/>
+        </p:nvSpPr>
+        <p:spPr>
+          <a:xfrm>
+            <a:off x="914400" y="2542784"/>
+            <a:ext cx="8992655" cy="2031325"/>
+          </a:xfrm>
+          <a:prstGeom prst="rect">
+            <a:avLst/>
+          </a:prstGeom>
+          <a:noFill/>
+        </p:spPr>
+        <p:txBody>
+          <a:bodyPr wrap="none" rtlCol="0">
+            <a:spAutoFit/>
+          </a:bodyPr>
+          <a:lstStyle/>
+          <a:p>
+            <a:pPr marL="285750" indent="-285750">
+              <a:buFont typeface="Arial" panose="020B0604020202020204" pitchFamily="34" charset="0"/>
+              <a:buChar char="•"/>
+            </a:pPr>
+            <a:r>
+              <a:rPr lang="en-US" b="1" dirty="0">
+                <a:solidFill>
+                  <a:srgbClr val="FF0000"/>
+                </a:solidFill>
+              </a:rPr>
+              <a:t>Do the differences in miRNA for rat models of TBI translate to humans? </a:t>
+            </a:r>
+            <a:r>
+              <a:rPr lang="en-US" b="1" dirty="0">
+                <a:solidFill>
+                  <a:srgbClr val="002060"/>
+                </a:solidFill>
+              </a:rPr>
+              <a:t>YES</a:t>
+            </a:r>
+          </a:p>
+          <a:p>
+            <a:pPr marL="285750" indent="-285750">
+              <a:buFont typeface="Arial" panose="020B0604020202020204" pitchFamily="34" charset="0"/>
+              <a:buChar char="•"/>
+            </a:pPr>
+            <a:endParaRPr lang="en-US" dirty="0"/>
+          </a:p>
+          <a:p>
+            <a:pPr marL="742950" lvl="1" indent="-285750">
+              <a:buFont typeface="Arial" panose="020B0604020202020204" pitchFamily="34" charset="0"/>
+              <a:buChar char="•"/>
+            </a:pPr>
+            <a:r>
+              <a:rPr lang="en-US" b="1" dirty="0">
+                <a:solidFill>
+                  <a:srgbClr val="FF0000"/>
+                </a:solidFill>
+              </a:rPr>
+              <a:t>Do the biofluids of the rats or humans matter for miRNA measurement? </a:t>
+            </a:r>
+            <a:r>
+              <a:rPr lang="en-US" b="1" dirty="0">
+                <a:solidFill>
+                  <a:srgbClr val="002060"/>
+                </a:solidFill>
+              </a:rPr>
+              <a:t>IT DEPENDS</a:t>
+            </a:r>
+          </a:p>
+          <a:p>
+            <a:pPr marL="1200150" lvl="2" indent="-285750">
+              <a:buFont typeface="Arial" panose="020B0604020202020204" pitchFamily="34" charset="0"/>
+              <a:buChar char="•"/>
+            </a:pPr>
+            <a:r>
+              <a:rPr lang="en-US" b="1" dirty="0"/>
+              <a:t>RATS: BRAIN or PLASMA fine	/	Humans: SERUM Fine, SALIVA No</a:t>
+            </a:r>
+          </a:p>
+          <a:p>
+            <a:pPr marL="742950" lvl="1" indent="-285750">
+              <a:buFont typeface="Arial" panose="020B0604020202020204" pitchFamily="34" charset="0"/>
+              <a:buChar char="•"/>
+            </a:pPr>
+            <a:r>
+              <a:rPr lang="en-US" b="1" dirty="0">
+                <a:solidFill>
+                  <a:srgbClr val="FF0000"/>
+                </a:solidFill>
+              </a:rPr>
+              <a:t>Does data from male rats comparable to sex differences in humans? </a:t>
+            </a:r>
+            <a:r>
+              <a:rPr lang="en-US" b="1" dirty="0">
+                <a:solidFill>
+                  <a:srgbClr val="002060"/>
+                </a:solidFill>
+              </a:rPr>
+              <a:t>NO?</a:t>
+            </a:r>
+            <a:endParaRPr lang="en-US" b="1" dirty="0">
+              <a:solidFill>
+                <a:srgbClr val="FF0000"/>
+              </a:solidFill>
+            </a:endParaRPr>
+          </a:p>
+          <a:p>
+            <a:pPr marL="742950" lvl="1" indent="-285750">
+              <a:buFont typeface="Arial" panose="020B0604020202020204" pitchFamily="34" charset="0"/>
+              <a:buChar char="•"/>
+            </a:pPr>
+            <a:endParaRPr lang="en-US" dirty="0"/>
+          </a:p>
+          <a:p>
+            <a:pPr marL="742950" lvl="1" indent="-285750">
+              <a:buFont typeface="Arial" panose="020B0604020202020204" pitchFamily="34" charset="0"/>
+              <a:buChar char="•"/>
+            </a:pPr>
+            <a:r>
+              <a:rPr lang="en-US" b="1" dirty="0">
+                <a:solidFill>
+                  <a:srgbClr val="FF0000"/>
+                </a:solidFill>
+              </a:rPr>
+              <a:t>Does the type of TBI injury matter?</a:t>
+            </a:r>
+          </a:p>
+        </p:txBody>
+      </p:sp>
+    </p:spTree>
+    <p:extLst>
+      <p:ext uri="{BB962C8B-B14F-4D97-AF65-F5344CB8AC3E}">
+        <p14:creationId xmlns:p14="http://schemas.microsoft.com/office/powerpoint/2010/main" val="4204901199"/>
+      </p:ext>
+    </p:extLst>
+  </p:cSld>
+  <p:clrMapOvr>
+    <a:masterClrMapping/>
+  </p:clrMapOvr>
+</p:sld>
+</file>
+
+<file path=ppt/slides/slide14.xml><?xml version="1.0" encoding="utf-8"?>
+<p:sld xmlns:a="http://schemas.openxmlformats.org/drawingml/2006/main" xmlns:r="http://schemas.openxmlformats.org/officeDocument/2006/relationships" xmlns:p="http://schemas.openxmlformats.org/presentationml/2006/main">
+  <p:cSld>
+    <p:spTree>
+      <p:nvGrpSpPr>
+        <p:cNvPr id="1" name=""/>
+        <p:cNvGrpSpPr/>
+        <p:nvPr/>
+      </p:nvGrpSpPr>
+      <p:grpSpPr>
+        <a:xfrm>
+          <a:off x="0" y="0"/>
+          <a:ext cx="0" cy="0"/>
+          <a:chOff x="0" y="0"/>
+          <a:chExt cx="0" cy="0"/>
+        </a:xfrm>
+      </p:grpSpPr>
+      <p:sp>
+        <p:nvSpPr>
+          <p:cNvPr id="4" name="Title 3">
+            <a:extLst>
+              <a:ext uri="{FF2B5EF4-FFF2-40B4-BE49-F238E27FC236}">
+                <a16:creationId xmlns:a16="http://schemas.microsoft.com/office/drawing/2014/main" id="{960BCB57-89CA-12C9-8820-D9D7ADEF4F65}"/>
+              </a:ext>
+            </a:extLst>
+          </p:cNvPr>
+          <p:cNvSpPr>
+            <a:spLocks noGrp="1"/>
+          </p:cNvSpPr>
+          <p:nvPr>
+            <p:ph type="title"/>
+          </p:nvPr>
+        </p:nvSpPr>
+        <p:spPr/>
+        <p:txBody>
+          <a:bodyPr/>
+          <a:lstStyle/>
+          <a:p>
+            <a:r>
+              <a:rPr lang="en-US" dirty="0"/>
+              <a:t>Gene weightings applied to human data</a:t>
+            </a:r>
+            <a:br>
+              <a:rPr lang="en-US" dirty="0"/>
+            </a:br>
+            <a:r>
+              <a:rPr lang="en-US" dirty="0"/>
+              <a:t>Type of injury?</a:t>
+            </a:r>
+          </a:p>
+        </p:txBody>
+      </p:sp>
+      <p:pic>
+        <p:nvPicPr>
+          <p:cNvPr id="3" name="Picture 2">
+            <a:extLst>
+              <a:ext uri="{FF2B5EF4-FFF2-40B4-BE49-F238E27FC236}">
+                <a16:creationId xmlns:a16="http://schemas.microsoft.com/office/drawing/2014/main" id="{F339FA6D-1F3F-1523-350C-3B34D85A1D52}"/>
+              </a:ext>
+            </a:extLst>
+          </p:cNvPr>
+          <p:cNvPicPr>
+            <a:picLocks noChangeAspect="1"/>
+          </p:cNvPicPr>
+          <p:nvPr/>
+        </p:nvPicPr>
+        <p:blipFill>
+          <a:blip r:embed="rId3"/>
+          <a:srcRect/>
+          <a:stretch/>
+        </p:blipFill>
+        <p:spPr>
+          <a:xfrm>
+            <a:off x="5723959" y="1779588"/>
+            <a:ext cx="5854700" cy="4394200"/>
+          </a:xfrm>
+          <a:prstGeom prst="rect">
+            <a:avLst/>
+          </a:prstGeom>
+        </p:spPr>
+      </p:pic>
+      <p:pic>
+        <p:nvPicPr>
+          <p:cNvPr id="6" name="Picture 5">
+            <a:extLst>
+              <a:ext uri="{FF2B5EF4-FFF2-40B4-BE49-F238E27FC236}">
+                <a16:creationId xmlns:a16="http://schemas.microsoft.com/office/drawing/2014/main" id="{CD40A907-B40F-E113-AEDA-FC01E07E4395}"/>
+              </a:ext>
+            </a:extLst>
+          </p:cNvPr>
+          <p:cNvPicPr>
+            <a:picLocks noChangeAspect="1"/>
+          </p:cNvPicPr>
+          <p:nvPr/>
+        </p:nvPicPr>
+        <p:blipFill>
+          <a:blip r:embed="rId4"/>
+          <a:srcRect/>
+          <a:stretch/>
+        </p:blipFill>
+        <p:spPr>
+          <a:xfrm>
+            <a:off x="1711891" y="1690688"/>
+            <a:ext cx="3657600" cy="4572000"/>
+          </a:xfrm>
+          <a:prstGeom prst="rect">
+            <a:avLst/>
+          </a:prstGeom>
+        </p:spPr>
+      </p:pic>
+    </p:spTree>
+    <p:extLst>
+      <p:ext uri="{BB962C8B-B14F-4D97-AF65-F5344CB8AC3E}">
+        <p14:creationId xmlns:p14="http://schemas.microsoft.com/office/powerpoint/2010/main" val="3825729636"/>
+      </p:ext>
+    </p:extLst>
+  </p:cSld>
+  <p:clrMapOvr>
+    <a:masterClrMapping/>
+  </p:clrMapOvr>
+</p:sld>
+</file>
+
+<file path=ppt/slides/slide15.xml><?xml version="1.0" encoding="utf-8"?>
+<p:sld xmlns:a="http://schemas.openxmlformats.org/drawingml/2006/main" xmlns:r="http://schemas.openxmlformats.org/officeDocument/2006/relationships" xmlns:p="http://schemas.openxmlformats.org/presentationml/2006/main">
+  <p:cSld>
+    <p:spTree>
+      <p:nvGrpSpPr>
+        <p:cNvPr id="1" name=""/>
+        <p:cNvGrpSpPr/>
+        <p:nvPr/>
+      </p:nvGrpSpPr>
+      <p:grpSpPr>
+        <a:xfrm>
+          <a:off x="0" y="0"/>
+          <a:ext cx="0" cy="0"/>
+          <a:chOff x="0" y="0"/>
+          <a:chExt cx="0" cy="0"/>
+        </a:xfrm>
+      </p:grpSpPr>
+      <p:sp>
+        <p:nvSpPr>
+          <p:cNvPr id="2" name="TextBox 1">
+            <a:extLst>
+              <a:ext uri="{FF2B5EF4-FFF2-40B4-BE49-F238E27FC236}">
+                <a16:creationId xmlns:a16="http://schemas.microsoft.com/office/drawing/2014/main" id="{010569A0-A1A8-994E-91DC-95FD3601D6EF}"/>
+              </a:ext>
+            </a:extLst>
+          </p:cNvPr>
+          <p:cNvSpPr txBox="1"/>
+          <p:nvPr/>
+        </p:nvSpPr>
+        <p:spPr>
+          <a:xfrm>
+            <a:off x="435078" y="479323"/>
+            <a:ext cx="10685206" cy="1569660"/>
+          </a:xfrm>
+          <a:prstGeom prst="rect">
+            <a:avLst/>
+          </a:prstGeom>
+          <a:noFill/>
+        </p:spPr>
+        <p:txBody>
+          <a:bodyPr wrap="square" rtlCol="0">
+            <a:spAutoFit/>
+          </a:bodyPr>
+          <a:lstStyle/>
+          <a:p>
+            <a:pPr algn="ctr"/>
+            <a:r>
+              <a:rPr lang="en-GB" sz="4800" dirty="0"/>
+              <a:t>miRNA in Rat TBI models compared to Human TBI</a:t>
+            </a:r>
+          </a:p>
+        </p:txBody>
+      </p:sp>
+      <p:sp>
+        <p:nvSpPr>
+          <p:cNvPr id="3" name="TextBox 2">
+            <a:extLst>
+              <a:ext uri="{FF2B5EF4-FFF2-40B4-BE49-F238E27FC236}">
+                <a16:creationId xmlns:a16="http://schemas.microsoft.com/office/drawing/2014/main" id="{DD1D1466-D097-2529-AD22-105C7F61A7F5}"/>
+              </a:ext>
+            </a:extLst>
+          </p:cNvPr>
+          <p:cNvSpPr txBox="1"/>
+          <p:nvPr/>
+        </p:nvSpPr>
+        <p:spPr>
+          <a:xfrm>
+            <a:off x="914400" y="2542784"/>
+            <a:ext cx="9573005" cy="2585323"/>
+          </a:xfrm>
+          <a:prstGeom prst="rect">
+            <a:avLst/>
+          </a:prstGeom>
+          <a:noFill/>
+        </p:spPr>
+        <p:txBody>
+          <a:bodyPr wrap="none" rtlCol="0">
+            <a:spAutoFit/>
+          </a:bodyPr>
+          <a:lstStyle/>
+          <a:p>
+            <a:pPr marL="285750" indent="-285750">
+              <a:buFont typeface="Arial" panose="020B0604020202020204" pitchFamily="34" charset="0"/>
+              <a:buChar char="•"/>
+            </a:pPr>
+            <a:r>
+              <a:rPr lang="en-US" b="1" dirty="0">
+                <a:solidFill>
+                  <a:srgbClr val="FF0000"/>
+                </a:solidFill>
+              </a:rPr>
+              <a:t>Do the differences in miRNA for rat models of TBI translate to humans? </a:t>
+            </a:r>
+            <a:r>
+              <a:rPr lang="en-US" b="1" dirty="0">
+                <a:solidFill>
+                  <a:srgbClr val="002060"/>
+                </a:solidFill>
+              </a:rPr>
+              <a:t>YES</a:t>
+            </a:r>
+          </a:p>
+          <a:p>
+            <a:pPr marL="285750" indent="-285750">
+              <a:buFont typeface="Arial" panose="020B0604020202020204" pitchFamily="34" charset="0"/>
+              <a:buChar char="•"/>
+            </a:pPr>
+            <a:endParaRPr lang="en-US" dirty="0"/>
+          </a:p>
+          <a:p>
+            <a:pPr marL="742950" lvl="1" indent="-285750">
+              <a:buFont typeface="Arial" panose="020B0604020202020204" pitchFamily="34" charset="0"/>
+              <a:buChar char="•"/>
+            </a:pPr>
+            <a:r>
+              <a:rPr lang="en-US" b="1" dirty="0">
+                <a:solidFill>
+                  <a:srgbClr val="FF0000"/>
+                </a:solidFill>
+              </a:rPr>
+              <a:t>Do the biofluids of the rats or humans matter for miRNA measurement? </a:t>
+            </a:r>
+            <a:r>
+              <a:rPr lang="en-US" b="1" dirty="0">
+                <a:solidFill>
+                  <a:srgbClr val="002060"/>
+                </a:solidFill>
+              </a:rPr>
+              <a:t>IT DEPENDS</a:t>
+            </a:r>
+          </a:p>
+          <a:p>
+            <a:pPr marL="1200150" lvl="2" indent="-285750">
+              <a:buFont typeface="Arial" panose="020B0604020202020204" pitchFamily="34" charset="0"/>
+              <a:buChar char="•"/>
+            </a:pPr>
+            <a:r>
+              <a:rPr lang="en-US" b="1" dirty="0"/>
+              <a:t>RATS: BRAIN or PLASMA fine	/	Humans: SERUM Fine, CSF &amp; SALIVA No</a:t>
+            </a:r>
+          </a:p>
+          <a:p>
+            <a:pPr marL="742950" lvl="1" indent="-285750">
+              <a:buFont typeface="Arial" panose="020B0604020202020204" pitchFamily="34" charset="0"/>
+              <a:buChar char="•"/>
+            </a:pPr>
+            <a:r>
+              <a:rPr lang="en-US" b="1" dirty="0">
+                <a:solidFill>
+                  <a:srgbClr val="FF0000"/>
+                </a:solidFill>
+              </a:rPr>
+              <a:t>Does data from male rats comparable to sex differences in humans? </a:t>
+            </a:r>
+            <a:r>
+              <a:rPr lang="en-US" b="1" dirty="0">
+                <a:solidFill>
+                  <a:srgbClr val="002060"/>
+                </a:solidFill>
+              </a:rPr>
+              <a:t>NO?</a:t>
+            </a:r>
+            <a:endParaRPr lang="en-US" b="1" dirty="0">
+              <a:solidFill>
+                <a:srgbClr val="FF0000"/>
+              </a:solidFill>
+            </a:endParaRPr>
+          </a:p>
+          <a:p>
+            <a:pPr marL="742950" lvl="1" indent="-285750">
+              <a:buFont typeface="Arial" panose="020B0604020202020204" pitchFamily="34" charset="0"/>
+              <a:buChar char="•"/>
+            </a:pPr>
+            <a:endParaRPr lang="en-US" dirty="0"/>
+          </a:p>
+          <a:p>
+            <a:pPr marL="742950" lvl="1" indent="-285750">
+              <a:buFont typeface="Arial" panose="020B0604020202020204" pitchFamily="34" charset="0"/>
+              <a:buChar char="•"/>
+            </a:pPr>
+            <a:r>
+              <a:rPr lang="en-US" b="1" dirty="0">
+                <a:solidFill>
+                  <a:srgbClr val="FF0000"/>
+                </a:solidFill>
+              </a:rPr>
+              <a:t>Does the type of TBI injury matter? </a:t>
+            </a:r>
+            <a:r>
+              <a:rPr lang="en-US" b="1" dirty="0">
+                <a:solidFill>
+                  <a:srgbClr val="002060"/>
+                </a:solidFill>
+              </a:rPr>
+              <a:t>YES</a:t>
+            </a:r>
+          </a:p>
+          <a:p>
+            <a:pPr marL="1200150" lvl="2" indent="-285750">
+              <a:buFont typeface="Arial" panose="020B0604020202020204" pitchFamily="34" charset="0"/>
+              <a:buChar char="•"/>
+            </a:pPr>
+            <a:r>
+              <a:rPr lang="en-US" b="1" dirty="0"/>
+              <a:t>From RAT miRNA: FOCAL can be predicted, DIFFUES not (due to type of RAT injury)?</a:t>
+            </a:r>
+          </a:p>
+          <a:p>
+            <a:pPr marL="742950" lvl="1" indent="-285750">
+              <a:buFont typeface="Arial" panose="020B0604020202020204" pitchFamily="34" charset="0"/>
+              <a:buChar char="•"/>
+            </a:pPr>
+            <a:endParaRPr lang="en-US" dirty="0"/>
+          </a:p>
+        </p:txBody>
+      </p:sp>
+    </p:spTree>
+    <p:extLst>
+      <p:ext uri="{BB962C8B-B14F-4D97-AF65-F5344CB8AC3E}">
+        <p14:creationId xmlns:p14="http://schemas.microsoft.com/office/powerpoint/2010/main" val="488995703"/>
+      </p:ext>
+    </p:extLst>
+  </p:cSld>
+  <p:clrMapOvr>
+    <a:masterClrMapping/>
+  </p:clrMapOvr>
+</p:sld>
+</file>
+
+<file path=ppt/slides/slide16.xml><?xml version="1.0" encoding="utf-8"?>
+<p:sld xmlns:a="http://schemas.openxmlformats.org/drawingml/2006/main" xmlns:r="http://schemas.openxmlformats.org/officeDocument/2006/relationships" xmlns:p="http://schemas.openxmlformats.org/presentationml/2006/main">
+  <p:cSld>
+    <p:spTree>
+      <p:nvGrpSpPr>
+        <p:cNvPr id="1" name=""/>
+        <p:cNvGrpSpPr/>
+        <p:nvPr/>
+      </p:nvGrpSpPr>
+      <p:grpSpPr>
+        <a:xfrm>
+          <a:off x="0" y="0"/>
+          <a:ext cx="0" cy="0"/>
+          <a:chOff x="0" y="0"/>
+          <a:chExt cx="0" cy="0"/>
+        </a:xfrm>
+      </p:grpSpPr>
+      <p:sp>
+        <p:nvSpPr>
+          <p:cNvPr id="3" name="Slide Number Placeholder 2">
+            <a:extLst>
+              <a:ext uri="{FF2B5EF4-FFF2-40B4-BE49-F238E27FC236}">
+                <a16:creationId xmlns:a16="http://schemas.microsoft.com/office/drawing/2014/main" id="{C6E5CD97-EBA1-B146-AC2F-3BBCE1ADE91D}"/>
+              </a:ext>
+            </a:extLst>
+          </p:cNvPr>
+          <p:cNvSpPr>
+            <a:spLocks noGrp="1"/>
+          </p:cNvSpPr>
+          <p:nvPr>
+            <p:ph type="sldNum" sz="quarter" idx="12"/>
+          </p:nvPr>
+        </p:nvSpPr>
+        <p:spPr/>
+        <p:txBody>
+          <a:bodyPr/>
+          <a:lstStyle/>
+          <a:p>
+            <a:fld id="{9F3C1A03-04C2-0846-ADDA-213E9916F0D3}" type="slidenum">
+              <a:rPr lang="en-GB" smtClean="0"/>
+              <a:t>16</a:t>
+            </a:fld>
+            <a:endParaRPr lang="en-GB"/>
+          </a:p>
+        </p:txBody>
+      </p:sp>
+    </p:spTree>
+    <p:extLst>
+      <p:ext uri="{BB962C8B-B14F-4D97-AF65-F5344CB8AC3E}">
+        <p14:creationId xmlns:p14="http://schemas.microsoft.com/office/powerpoint/2010/main" val="534040475"/>
+      </p:ext>
+    </p:extLst>
+  </p:cSld>
+  <p:clrMapOvr>
+    <a:masterClrMapping/>
+  </p:clrMapOvr>
 </p:sld>
 </file>
 
@@ -24200,37 +25956,151 @@
       </p:grpSpPr>
       <p:sp>
         <p:nvSpPr>
-          <p:cNvPr id="3" name="Slide Number Placeholder 2">
+          <p:cNvPr id="2" name="TextBox 1">
             <a:extLst>
               <a:ext uri="{FF2B5EF4-FFF2-40B4-BE49-F238E27FC236}">
-                <a16:creationId xmlns:a16="http://schemas.microsoft.com/office/drawing/2014/main" id="{C6E5CD97-EBA1-B146-AC2F-3BBCE1ADE91D}"/>
+                <a16:creationId xmlns:a16="http://schemas.microsoft.com/office/drawing/2014/main" id="{010569A0-A1A8-994E-91DC-95FD3601D6EF}"/>
               </a:ext>
             </a:extLst>
           </p:cNvPr>
-          <p:cNvSpPr>
-            <a:spLocks noGrp="1"/>
-          </p:cNvSpPr>
-          <p:nvPr>
-            <p:ph type="sldNum" sz="quarter" idx="12"/>
-          </p:nvPr>
+          <p:cNvSpPr txBox="1"/>
+          <p:nvPr/>
         </p:nvSpPr>
-        <p:spPr/>
+        <p:spPr>
+          <a:xfrm>
+            <a:off x="435078" y="479323"/>
+            <a:ext cx="10685206" cy="1569660"/>
+          </a:xfrm>
+          <a:prstGeom prst="rect">
+            <a:avLst/>
+          </a:prstGeom>
+          <a:noFill/>
+        </p:spPr>
         <p:txBody>
-          <a:bodyPr/>
+          <a:bodyPr wrap="square" rtlCol="0">
+            <a:spAutoFit/>
+          </a:bodyPr>
           <a:lstStyle/>
           <a:p>
-            <a:fld id="{9F3C1A03-04C2-0846-ADDA-213E9916F0D3}" type="slidenum">
-              <a:rPr lang="en-GB" smtClean="0"/>
-              <a:t>9</a:t>
-            </a:fld>
-            <a:endParaRPr lang="en-GB"/>
+            <a:pPr algn="ctr"/>
+            <a:r>
+              <a:rPr lang="en-GB" sz="4800" dirty="0"/>
+              <a:t>miRNA in Rat TBI models compared to Human TBI</a:t>
+            </a:r>
+          </a:p>
+        </p:txBody>
+      </p:sp>
+      <p:sp>
+        <p:nvSpPr>
+          <p:cNvPr id="3" name="TextBox 2">
+            <a:extLst>
+              <a:ext uri="{FF2B5EF4-FFF2-40B4-BE49-F238E27FC236}">
+                <a16:creationId xmlns:a16="http://schemas.microsoft.com/office/drawing/2014/main" id="{DD1D1466-D097-2529-AD22-105C7F61A7F5}"/>
+              </a:ext>
+            </a:extLst>
+          </p:cNvPr>
+          <p:cNvSpPr txBox="1"/>
+          <p:nvPr/>
+        </p:nvSpPr>
+        <p:spPr>
+          <a:xfrm>
+            <a:off x="914400" y="2542784"/>
+            <a:ext cx="7796814" cy="2031325"/>
+          </a:xfrm>
+          <a:prstGeom prst="rect">
+            <a:avLst/>
+          </a:prstGeom>
+          <a:noFill/>
+        </p:spPr>
+        <p:txBody>
+          <a:bodyPr wrap="none" rtlCol="0">
+            <a:spAutoFit/>
+          </a:bodyPr>
+          <a:lstStyle/>
+          <a:p>
+            <a:pPr marL="285750" indent="-285750">
+              <a:buFont typeface="Arial" panose="020B0604020202020204" pitchFamily="34" charset="0"/>
+              <a:buChar char="•"/>
+            </a:pPr>
+            <a:r>
+              <a:rPr lang="en-US" b="1" dirty="0">
+                <a:solidFill>
+                  <a:srgbClr val="FF0000"/>
+                </a:solidFill>
+              </a:rPr>
+              <a:t>Do the differences in miRNA for rat models of TBI translate to humans? </a:t>
+            </a:r>
+            <a:r>
+              <a:rPr lang="en-US" b="1" dirty="0">
+                <a:solidFill>
+                  <a:srgbClr val="002060"/>
+                </a:solidFill>
+              </a:rPr>
+              <a:t>YES</a:t>
+            </a:r>
+          </a:p>
+          <a:p>
+            <a:pPr marL="285750" indent="-285750">
+              <a:buFont typeface="Arial" panose="020B0604020202020204" pitchFamily="34" charset="0"/>
+              <a:buChar char="•"/>
+            </a:pPr>
+            <a:endParaRPr lang="en-US" dirty="0"/>
+          </a:p>
+          <a:p>
+            <a:pPr marL="742950" lvl="1" indent="-285750">
+              <a:buFont typeface="Arial" panose="020B0604020202020204" pitchFamily="34" charset="0"/>
+              <a:buChar char="•"/>
+            </a:pPr>
+            <a:r>
+              <a:rPr lang="en-US" b="1" dirty="0"/>
+              <a:t>Do the biofluids of the rats or humans matter for miRNA measurement?</a:t>
+            </a:r>
+          </a:p>
+          <a:p>
+            <a:pPr marL="742950" lvl="1" indent="-285750">
+              <a:buFont typeface="Arial" panose="020B0604020202020204" pitchFamily="34" charset="0"/>
+              <a:buChar char="•"/>
+            </a:pPr>
+            <a:endParaRPr lang="en-US" b="1" dirty="0"/>
+          </a:p>
+          <a:p>
+            <a:pPr marL="742950" lvl="1" indent="-285750">
+              <a:buFont typeface="Arial" panose="020B0604020202020204" pitchFamily="34" charset="0"/>
+              <a:buChar char="•"/>
+            </a:pPr>
+            <a:r>
+              <a:rPr lang="en-US" dirty="0"/>
+              <a:t>Does data from male rats comparable to sex differences in humans?</a:t>
+            </a:r>
+          </a:p>
+          <a:p>
+            <a:pPr marL="742950" lvl="1" indent="-285750">
+              <a:buFont typeface="Arial" panose="020B0604020202020204" pitchFamily="34" charset="0"/>
+              <a:buChar char="•"/>
+            </a:pPr>
+            <a:endParaRPr lang="en-US" dirty="0"/>
+          </a:p>
+          <a:p>
+            <a:pPr marL="742950" lvl="1" indent="-285750">
+              <a:buFont typeface="Arial" panose="020B0604020202020204" pitchFamily="34" charset="0"/>
+              <a:buChar char="•"/>
+            </a:pPr>
+            <a:r>
+              <a:rPr lang="en-US" dirty="0"/>
+              <a:t>Does the type of TBI injury </a:t>
+            </a:r>
+            <a:r>
+              <a:rPr lang="en-US"/>
+              <a:t>matter?</a:t>
+            </a:r>
+            <a:endParaRPr lang="en-US" dirty="0"/>
           </a:p>
         </p:txBody>
       </p:sp>
     </p:spTree>
     <p:extLst>
       <p:ext uri="{BB962C8B-B14F-4D97-AF65-F5344CB8AC3E}">
-        <p14:creationId xmlns:p14="http://schemas.microsoft.com/office/powerpoint/2010/main" val="534040475"/>
+        <p14:creationId xmlns:p14="http://schemas.microsoft.com/office/powerpoint/2010/main" val="2650926682"/>
       </p:ext>
     </p:extLst>
   </p:cSld>
